--- a/4-miscellaneous/0-previous/0.resources/2.resume/1.files/resume_kaiser.pptx
+++ b/4-miscellaneous/0-previous/0.resources/2.resume/1.files/resume_kaiser.pptx
@@ -1438,7 +1438,7 @@
         <p:spPr>
           <a:xfrm>
             <a:off x="648000" y="786960"/>
-            <a:ext cx="7087680" cy="392400"/>
+            <a:ext cx="7087320" cy="392040"/>
           </a:xfrm>
           <a:prstGeom prst="rect">
             <a:avLst/>
@@ -1510,7 +1510,7 @@
         <p:spPr>
           <a:xfrm>
             <a:off x="1783440" y="129960"/>
-            <a:ext cx="3722760" cy="579240"/>
+            <a:ext cx="3722400" cy="578880"/>
           </a:xfrm>
           <a:prstGeom prst="rect">
             <a:avLst/>
@@ -1590,8 +1590,8 @@
         </p:nvSpPr>
         <p:spPr>
           <a:xfrm rot="16200">
-            <a:off x="257040" y="1367280"/>
-            <a:ext cx="7044120" cy="4913640"/>
+            <a:off x="256680" y="1367280"/>
+            <a:ext cx="7043760" cy="4913280"/>
           </a:xfrm>
           <a:prstGeom prst="rect">
             <a:avLst/>
@@ -1687,6 +1687,46 @@
                 <a:spcPct val="100000"/>
               </a:lnSpc>
             </a:pPr>
+            <a:endParaRPr b="0" lang="en-US" sz="1200" spc="-1" strike="noStrike">
+              <a:latin typeface="Arial"/>
+            </a:endParaRPr>
+          </a:p>
+          <a:p>
+            <a:pPr>
+              <a:lnSpc>
+                <a:spcPct val="100000"/>
+              </a:lnSpc>
+            </a:pPr>
+            <a:r>
+              <a:rPr b="0" lang="en-US" sz="1200" spc="-1" strike="noStrike">
+                <a:solidFill>
+                  <a:srgbClr val="000000"/>
+                </a:solidFill>
+                <a:latin typeface="Roboto"/>
+                <a:ea typeface="DejaVu Sans"/>
+              </a:rPr>
+              <a:t>- Debugged existing Vehicle Number Plate Recognition System, annotated the number plate for the Detection System &amp; tested the recognition system with its own model. Worked with Education Board academic data (70 million &amp; additional 2.5 million records every year) to find out frauds and provide enterprise solutions for National Election Commission &amp; Government Law Enforcement agencies.</a:t>
+            </a:r>
+            <a:endParaRPr b="0" lang="en-US" sz="1200" spc="-1" strike="noStrike">
+              <a:latin typeface="Arial"/>
+            </a:endParaRPr>
+          </a:p>
+          <a:p>
+            <a:pPr>
+              <a:lnSpc>
+                <a:spcPct val="100000"/>
+              </a:lnSpc>
+            </a:pPr>
+            <a:endParaRPr b="0" lang="en-US" sz="1200" spc="-1" strike="noStrike">
+              <a:latin typeface="Arial"/>
+            </a:endParaRPr>
+          </a:p>
+          <a:p>
+            <a:pPr>
+              <a:lnSpc>
+                <a:spcPct val="100000"/>
+              </a:lnSpc>
+            </a:pPr>
             <a:r>
               <a:rPr b="0" lang="en-US" sz="1200" spc="-1" strike="noStrike">
                 <a:solidFill>
@@ -1726,36 +1766,6 @@
                 <a:ea typeface="DejaVu Sans"/>
               </a:rPr>
               <a:t>- Implemented Facebook’s MSG3D PYTORCH model and MMSkeleton for Action Recognition System using PYTHON. Trained model from scratch for our own custom action video data set. Learned CUDA programming on the fly and implemented that for optimization and able to improve the training time up-to 4x time faster by running them on 4 parallel GPU’s. Got 40% accuracy recognizing actions from 400 action classes. This project is in progress and more exciting stuff is coming!</a:t>
-            </a:r>
-            <a:endParaRPr b="0" lang="en-US" sz="1200" spc="-1" strike="noStrike">
-              <a:latin typeface="Arial"/>
-            </a:endParaRPr>
-          </a:p>
-          <a:p>
-            <a:pPr>
-              <a:lnSpc>
-                <a:spcPct val="100000"/>
-              </a:lnSpc>
-            </a:pPr>
-            <a:endParaRPr b="0" lang="en-US" sz="1200" spc="-1" strike="noStrike">
-              <a:latin typeface="Arial"/>
-            </a:endParaRPr>
-          </a:p>
-          <a:p>
-            <a:pPr>
-              <a:lnSpc>
-                <a:spcPct val="100000"/>
-              </a:lnSpc>
-            </a:pPr>
-            <a:r>
-              <a:rPr b="0" lang="en-US" sz="1200" spc="-1" strike="noStrike">
-                <a:solidFill>
-                  <a:srgbClr val="000000"/>
-                </a:solidFill>
-                <a:latin typeface="Roboto"/>
-                <a:ea typeface="DejaVu Sans"/>
-              </a:rPr>
-              <a:t>- Debugged existing Vehicle Number Plate Recognition System, annotated the number plate for the Detection System &amp; tested the recognition system with its own model. Worked with Education Board academic data (70 million &amp; additional 2.5 million records every year) to find out frauds and provide enterprise solutions for National Election Commission &amp; Government Law Enforcement agencies.</a:t>
             </a:r>
             <a:endParaRPr b="0" lang="en-US" sz="1200" spc="-1" strike="noStrike">
               <a:latin typeface="Arial"/>
@@ -1942,7 +1952,7 @@
         <p:spPr>
           <a:xfrm>
             <a:off x="251640" y="1088640"/>
-            <a:ext cx="2100600" cy="341640"/>
+            <a:ext cx="2100240" cy="341280"/>
           </a:xfrm>
           <a:prstGeom prst="rect">
             <a:avLst/>
@@ -1993,9 +2003,9 @@
         <p:grpSpPr>
           <a:xfrm>
             <a:off x="629280" y="846720"/>
-            <a:ext cx="249480" cy="205920"/>
+            <a:ext cx="249120" cy="205560"/>
             <a:chOff x="629280" y="846720"/>
-            <a:chExt cx="249480" cy="205920"/>
+            <a:chExt cx="249120" cy="205560"/>
           </a:xfrm>
         </p:grpSpPr>
         <p:pic>
@@ -2013,7 +2023,7 @@
           <p:spPr>
             <a:xfrm>
               <a:off x="629280" y="846720"/>
-              <a:ext cx="249480" cy="205920"/>
+              <a:ext cx="249120" cy="205560"/>
             </a:xfrm>
             <a:prstGeom prst="rect">
               <a:avLst/>
@@ -2061,7 +2071,7 @@
         <p:spPr>
           <a:xfrm>
             <a:off x="274320" y="6884280"/>
-            <a:ext cx="1362960" cy="341640"/>
+            <a:ext cx="1362600" cy="341280"/>
           </a:xfrm>
           <a:prstGeom prst="rect">
             <a:avLst/>
@@ -2112,7 +2122,7 @@
         <p:spPr>
           <a:xfrm>
             <a:off x="274320" y="9601200"/>
-            <a:ext cx="1362960" cy="341640"/>
+            <a:ext cx="1362600" cy="341280"/>
           </a:xfrm>
           <a:prstGeom prst="rect">
             <a:avLst/>
@@ -2162,8 +2172,8 @@
         </p:nvSpPr>
         <p:spPr>
           <a:xfrm rot="16200">
-            <a:off x="257040" y="9900000"/>
-            <a:ext cx="7291440" cy="3205800"/>
+            <a:off x="256680" y="9899640"/>
+            <a:ext cx="7291080" cy="3205440"/>
           </a:xfrm>
           <a:prstGeom prst="rect">
             <a:avLst/>
@@ -2375,7 +2385,7 @@
         <p:spPr>
           <a:xfrm rot="16200">
             <a:off x="265680" y="7177680"/>
-            <a:ext cx="7042320" cy="3737880"/>
+            <a:ext cx="7041960" cy="3737520"/>
           </a:xfrm>
           <a:prstGeom prst="rect">
             <a:avLst/>
@@ -2459,17 +2469,7 @@
                 <a:latin typeface="Roboto"/>
                 <a:ea typeface="DejaVu Sans"/>
               </a:rPr>
-              <a:t>October 2015 - </a:t>
-            </a:r>
-            <a:r>
-              <a:rPr b="0" lang="en-US" sz="1200" spc="-1" strike="noStrike">
-                <a:solidFill>
-                  <a:srgbClr val="000000"/>
-                </a:solidFill>
-                <a:latin typeface="Roboto"/>
-                <a:ea typeface="DejaVu Sans"/>
-              </a:rPr>
-              <a:t>N/A | Magdeburg, Germany</a:t>
+              <a:t>October 2015 - N/A | Magdeburg, Germany</a:t>
             </a:r>
             <a:endParaRPr b="0" lang="en-US" sz="1200" spc="-1" strike="noStrike">
               <a:latin typeface="Arial"/>
@@ -2702,7 +2702,7 @@
         <p:spPr>
           <a:xfrm>
             <a:off x="4722480" y="842400"/>
-            <a:ext cx="175680" cy="176040"/>
+            <a:ext cx="175320" cy="175680"/>
           </a:xfrm>
           <a:prstGeom prst="rect">
             <a:avLst/>
@@ -2727,7 +2727,7 @@
         <p:spPr>
           <a:xfrm>
             <a:off x="2753280" y="813600"/>
-            <a:ext cx="222120" cy="222120"/>
+            <a:ext cx="221760" cy="221760"/>
           </a:xfrm>
           <a:prstGeom prst="rect">
             <a:avLst/>
